--- a/Project Pin Pointer.pptx
+++ b/Project Pin Pointer.pptx
@@ -19,6 +19,10 @@
     <p:sldId id="265" r:id="rId13"/>
     <p:sldId id="266" r:id="rId14"/>
     <p:sldId id="267" r:id="rId15"/>
+    <p:sldId id="271" r:id="rId16"/>
+    <p:sldId id="272" r:id="rId17"/>
+    <p:sldId id="273" r:id="rId18"/>
+    <p:sldId id="274" r:id="rId19"/>
   </p:sldIdLst>
   <p:sldSz cx="12192000" cy="6858000"/>
   <p:notesSz cx="6858000" cy="9144000"/>
@@ -313,7 +317,7 @@
           <a:p>
             <a:fld id="{9AB3A824-1A51-4B26-AD58-A6D8E14F6C04}" type="datetimeFigureOut">
               <a:rPr lang="en-US" smtClean="0"/>
-              <a:t>5/17/2020</a:t>
+              <a:t>6/5/2020</a:t>
             </a:fld>
             <a:endParaRPr lang="en-US" dirty="0"/>
           </a:p>
@@ -656,7 +660,7 @@
           <a:p>
             <a:fld id="{3CBC1C18-307B-4F68-A007-B5B542270E8D}" type="datetimeFigureOut">
               <a:rPr lang="en-US" smtClean="0"/>
-              <a:t>5/17/2020</a:t>
+              <a:t>6/5/2020</a:t>
             </a:fld>
             <a:endParaRPr lang="en-US" dirty="0"/>
           </a:p>
@@ -1064,7 +1068,7 @@
           <a:p>
             <a:fld id="{3CBC1C18-307B-4F68-A007-B5B542270E8D}" type="datetimeFigureOut">
               <a:rPr lang="en-US" smtClean="0"/>
-              <a:t>5/17/2020</a:t>
+              <a:t>6/5/2020</a:t>
             </a:fld>
             <a:endParaRPr lang="en-US" dirty="0"/>
           </a:p>
@@ -1407,7 +1411,7 @@
           <a:p>
             <a:fld id="{3CBC1C18-307B-4F68-A007-B5B542270E8D}" type="datetimeFigureOut">
               <a:rPr lang="en-US" smtClean="0"/>
-              <a:t>5/17/2020</a:t>
+              <a:t>6/5/2020</a:t>
             </a:fld>
             <a:endParaRPr lang="en-US" dirty="0"/>
           </a:p>
@@ -1734,7 +1738,7 @@
           <a:p>
             <a:fld id="{3CBC1C18-307B-4F68-A007-B5B542270E8D}" type="datetimeFigureOut">
               <a:rPr lang="en-US" smtClean="0"/>
-              <a:t>5/17/2020</a:t>
+              <a:t>6/5/2020</a:t>
             </a:fld>
             <a:endParaRPr lang="en-US" dirty="0"/>
           </a:p>
@@ -2137,7 +2141,7 @@
           <a:p>
             <a:fld id="{3CBC1C18-307B-4F68-A007-B5B542270E8D}" type="datetimeFigureOut">
               <a:rPr lang="en-US" smtClean="0"/>
-              <a:t>5/17/2020</a:t>
+              <a:t>6/5/2020</a:t>
             </a:fld>
             <a:endParaRPr lang="en-US" dirty="0"/>
           </a:p>
@@ -2401,7 +2405,7 @@
           <a:p>
             <a:fld id="{D857E33E-8B18-4087-B112-809917729534}" type="datetimeFigureOut">
               <a:rPr lang="en-US" smtClean="0"/>
-              <a:t>5/17/2020</a:t>
+              <a:t>6/5/2020</a:t>
             </a:fld>
             <a:endParaRPr lang="en-US" dirty="0"/>
           </a:p>
@@ -2668,7 +2672,7 @@
           <a:p>
             <a:fld id="{D3FFE419-2371-464F-8239-3959401C3561}" type="datetimeFigureOut">
               <a:rPr lang="en-US" smtClean="0"/>
-              <a:t>5/17/2020</a:t>
+              <a:t>6/5/2020</a:t>
             </a:fld>
             <a:endParaRPr lang="en-US" dirty="0"/>
           </a:p>
@@ -2935,7 +2939,7 @@
           <a:p>
             <a:fld id="{97D162C4-EDD9-4389-A98B-B87ECEA2A816}" type="datetimeFigureOut">
               <a:rPr lang="en-US" smtClean="0"/>
-              <a:t>5/17/2020</a:t>
+              <a:t>6/5/2020</a:t>
             </a:fld>
             <a:endParaRPr lang="en-US" dirty="0"/>
           </a:p>
@@ -3269,7 +3273,7 @@
           <a:p>
             <a:fld id="{3E5059C3-6A89-4494-99FF-5A4D6FFD50EB}" type="datetimeFigureOut">
               <a:rPr lang="en-US" smtClean="0"/>
-              <a:t>5/17/2020</a:t>
+              <a:t>6/5/2020</a:t>
             </a:fld>
             <a:endParaRPr lang="en-US" dirty="0"/>
           </a:p>
@@ -3597,7 +3601,7 @@
           <a:p>
             <a:fld id="{CA954B2F-12DE-47F5-8894-472B206D2E1E}" type="datetimeFigureOut">
               <a:rPr lang="en-US" smtClean="0"/>
-              <a:t>5/17/2020</a:t>
+              <a:t>6/5/2020</a:t>
             </a:fld>
             <a:endParaRPr lang="en-US" dirty="0"/>
           </a:p>
@@ -4059,7 +4063,7 @@
           <a:p>
             <a:fld id="{3F30E46F-7819-4ACF-B48B-48222C2ACC88}" type="datetimeFigureOut">
               <a:rPr lang="en-US" smtClean="0"/>
-              <a:t>5/17/2020</a:t>
+              <a:t>6/5/2020</a:t>
             </a:fld>
             <a:endParaRPr lang="en-US" dirty="0"/>
           </a:p>
@@ -4269,7 +4273,7 @@
           <a:p>
             <a:fld id="{1FAF3416-4057-4DAA-829D-4CA07428D088}" type="datetimeFigureOut">
               <a:rPr lang="en-US" smtClean="0"/>
-              <a:t>5/17/2020</a:t>
+              <a:t>6/5/2020</a:t>
             </a:fld>
             <a:endParaRPr lang="en-US" dirty="0"/>
           </a:p>
@@ -4451,7 +4455,7 @@
           <a:p>
             <a:fld id="{921D9284-D300-4297-87F7-E791DCC15DB1}" type="datetimeFigureOut">
               <a:rPr lang="en-US" smtClean="0"/>
-              <a:t>5/17/2020</a:t>
+              <a:t>6/5/2020</a:t>
             </a:fld>
             <a:endParaRPr lang="en-US" dirty="0"/>
           </a:p>
@@ -4789,7 +4793,7 @@
           <a:p>
             <a:fld id="{37D525BB-DA17-4BA0-B3C8-3AC3ABC827E6}" type="datetimeFigureOut">
               <a:rPr lang="en-US" smtClean="0"/>
-              <a:t>5/17/2020</a:t>
+              <a:t>6/5/2020</a:t>
             </a:fld>
             <a:endParaRPr lang="en-US" dirty="0"/>
           </a:p>
@@ -5139,7 +5143,7 @@
           <a:p>
             <a:fld id="{B16C4C9A-3960-41CF-A4E9-2A8FB932454B}" type="datetimeFigureOut">
               <a:rPr lang="en-US" smtClean="0"/>
-              <a:t>5/17/2020</a:t>
+              <a:t>6/5/2020</a:t>
             </a:fld>
             <a:endParaRPr lang="en-US" dirty="0"/>
           </a:p>
@@ -7261,7 +7265,7 @@
           <a:p>
             <a:fld id="{3CBC1C18-307B-4F68-A007-B5B542270E8D}" type="datetimeFigureOut">
               <a:rPr lang="en-US" smtClean="0"/>
-              <a:t>5/17/2020</a:t>
+              <a:t>6/5/2020</a:t>
             </a:fld>
             <a:endParaRPr lang="en-US" dirty="0"/>
           </a:p>
@@ -8512,6 +8516,475 @@
 </p:sld>
 </file>
 
+<file path=ppt/slides/slide15.xml><?xml version="1.0" encoding="utf-8"?>
+<p:sld xmlns:a="http://schemas.openxmlformats.org/drawingml/2006/main" xmlns:r="http://schemas.openxmlformats.org/officeDocument/2006/relationships" xmlns:p="http://schemas.openxmlformats.org/presentationml/2006/main">
+  <p:cSld>
+    <p:spTree>
+      <p:nvGrpSpPr>
+        <p:cNvPr id="1" name=""/>
+        <p:cNvGrpSpPr/>
+        <p:nvPr/>
+      </p:nvGrpSpPr>
+      <p:grpSpPr>
+        <a:xfrm>
+          <a:off x="0" y="0"/>
+          <a:ext cx="0" cy="0"/>
+          <a:chOff x="0" y="0"/>
+          <a:chExt cx="0" cy="0"/>
+        </a:xfrm>
+      </p:grpSpPr>
+      <p:sp>
+        <p:nvSpPr>
+          <p:cNvPr id="2" name="Titre 1">
+            <a:extLst>
+              <a:ext uri="{FF2B5EF4-FFF2-40B4-BE49-F238E27FC236}">
+                <a16:creationId xmlns:a16="http://schemas.microsoft.com/office/drawing/2014/main" id="{D7CDF6EE-1694-4902-B592-3E1AA31C6E11}"/>
+              </a:ext>
+            </a:extLst>
+          </p:cNvPr>
+          <p:cNvSpPr>
+            <a:spLocks noGrp="1"/>
+          </p:cNvSpPr>
+          <p:nvPr>
+            <p:ph type="title"/>
+          </p:nvPr>
+        </p:nvSpPr>
+        <p:spPr>
+          <a:xfrm>
+            <a:off x="2467090" y="2788555"/>
+            <a:ext cx="8911687" cy="1280890"/>
+          </a:xfrm>
+        </p:spPr>
+        <p:txBody>
+          <a:bodyPr>
+            <a:noAutofit/>
+          </a:bodyPr>
+          <a:lstStyle/>
+          <a:p>
+            <a:r>
+              <a:rPr lang="fr-FR" sz="8000" dirty="0" err="1"/>
+              <a:t>Resualt</a:t>
+            </a:r>
+            <a:r>
+              <a:rPr lang="fr-FR" sz="8000" dirty="0"/>
+              <a:t> Section </a:t>
+            </a:r>
+            <a:endParaRPr lang="en-GB" sz="8000" dirty="0"/>
+          </a:p>
+        </p:txBody>
+      </p:sp>
+    </p:spTree>
+    <p:extLst>
+      <p:ext uri="{BB962C8B-B14F-4D97-AF65-F5344CB8AC3E}">
+        <p14:creationId xmlns:p14="http://schemas.microsoft.com/office/powerpoint/2010/main" val="2702321523"/>
+      </p:ext>
+    </p:extLst>
+  </p:cSld>
+  <p:clrMapOvr>
+    <a:masterClrMapping/>
+  </p:clrMapOvr>
+</p:sld>
+</file>
+
+<file path=ppt/slides/slide16.xml><?xml version="1.0" encoding="utf-8"?>
+<p:sld xmlns:a="http://schemas.openxmlformats.org/drawingml/2006/main" xmlns:r="http://schemas.openxmlformats.org/officeDocument/2006/relationships" xmlns:p="http://schemas.openxmlformats.org/presentationml/2006/main">
+  <p:cSld>
+    <p:spTree>
+      <p:nvGrpSpPr>
+        <p:cNvPr id="1" name=""/>
+        <p:cNvGrpSpPr/>
+        <p:nvPr/>
+      </p:nvGrpSpPr>
+      <p:grpSpPr>
+        <a:xfrm>
+          <a:off x="0" y="0"/>
+          <a:ext cx="0" cy="0"/>
+          <a:chOff x="0" y="0"/>
+          <a:chExt cx="0" cy="0"/>
+        </a:xfrm>
+      </p:grpSpPr>
+      <p:pic>
+        <p:nvPicPr>
+          <p:cNvPr id="4" name="Image 3">
+            <a:extLst>
+              <a:ext uri="{FF2B5EF4-FFF2-40B4-BE49-F238E27FC236}">
+                <a16:creationId xmlns:a16="http://schemas.microsoft.com/office/drawing/2014/main" id="{BAF15496-38B2-4A99-BB99-8272F6F0535F}"/>
+              </a:ext>
+            </a:extLst>
+          </p:cNvPr>
+          <p:cNvPicPr>
+            <a:picLocks noChangeAspect="1"/>
+          </p:cNvPicPr>
+          <p:nvPr/>
+        </p:nvPicPr>
+        <p:blipFill>
+          <a:blip r:embed="rId2"/>
+          <a:stretch>
+            <a:fillRect/>
+          </a:stretch>
+        </p:blipFill>
+        <p:spPr>
+          <a:xfrm>
+            <a:off x="1628688" y="348973"/>
+            <a:ext cx="9639300" cy="4733925"/>
+          </a:xfrm>
+          <a:prstGeom prst="rect">
+            <a:avLst/>
+          </a:prstGeom>
+        </p:spPr>
+      </p:pic>
+      <p:sp>
+        <p:nvSpPr>
+          <p:cNvPr id="5" name="ZoneTexte 4">
+            <a:extLst>
+              <a:ext uri="{FF2B5EF4-FFF2-40B4-BE49-F238E27FC236}">
+                <a16:creationId xmlns:a16="http://schemas.microsoft.com/office/drawing/2014/main" id="{F250D7B0-9D60-4B10-96D3-74BCF6BB2EF7}"/>
+              </a:ext>
+            </a:extLst>
+          </p:cNvPr>
+          <p:cNvSpPr txBox="1"/>
+          <p:nvPr/>
+        </p:nvSpPr>
+        <p:spPr>
+          <a:xfrm>
+            <a:off x="3816991" y="5821960"/>
+            <a:ext cx="7999306" cy="646331"/>
+          </a:xfrm>
+          <a:prstGeom prst="rect">
+            <a:avLst/>
+          </a:prstGeom>
+          <a:noFill/>
+        </p:spPr>
+        <p:txBody>
+          <a:bodyPr wrap="none" rtlCol="0">
+            <a:spAutoFit/>
+          </a:bodyPr>
+          <a:lstStyle/>
+          <a:p>
+            <a:r>
+              <a:rPr lang="fr-FR" dirty="0"/>
+              <a:t>Venues Location </a:t>
+            </a:r>
+            <a:r>
+              <a:rPr lang="fr-FR" dirty="0" err="1"/>
+              <a:t>after</a:t>
+            </a:r>
+            <a:r>
+              <a:rPr lang="fr-FR" dirty="0"/>
+              <a:t> clustering. </a:t>
+            </a:r>
+            <a:r>
+              <a:rPr lang="fr-FR" dirty="0" err="1"/>
+              <a:t>We</a:t>
+            </a:r>
+            <a:r>
+              <a:rPr lang="fr-FR" dirty="0"/>
+              <a:t> have </a:t>
+            </a:r>
+            <a:r>
+              <a:rPr lang="fr-FR" dirty="0" err="1"/>
+              <a:t>choosen</a:t>
+            </a:r>
+            <a:r>
+              <a:rPr lang="fr-FR" dirty="0"/>
+              <a:t> a </a:t>
+            </a:r>
+            <a:r>
+              <a:rPr lang="fr-FR" dirty="0" err="1"/>
+              <a:t>limited</a:t>
+            </a:r>
+            <a:r>
+              <a:rPr lang="fr-FR" dirty="0"/>
+              <a:t> </a:t>
+            </a:r>
+            <a:r>
+              <a:rPr lang="fr-FR" dirty="0" err="1"/>
+              <a:t>number</a:t>
+            </a:r>
+            <a:r>
+              <a:rPr lang="fr-FR" dirty="0"/>
+              <a:t> </a:t>
+            </a:r>
+          </a:p>
+          <a:p>
+            <a:endParaRPr lang="en-GB" dirty="0"/>
+          </a:p>
+        </p:txBody>
+      </p:sp>
+    </p:spTree>
+    <p:extLst>
+      <p:ext uri="{BB962C8B-B14F-4D97-AF65-F5344CB8AC3E}">
+        <p14:creationId xmlns:p14="http://schemas.microsoft.com/office/powerpoint/2010/main" val="890445355"/>
+      </p:ext>
+    </p:extLst>
+  </p:cSld>
+  <p:clrMapOvr>
+    <a:masterClrMapping/>
+  </p:clrMapOvr>
+</p:sld>
+</file>
+
+<file path=ppt/slides/slide17.xml><?xml version="1.0" encoding="utf-8"?>
+<p:sld xmlns:a="http://schemas.openxmlformats.org/drawingml/2006/main" xmlns:r="http://schemas.openxmlformats.org/officeDocument/2006/relationships" xmlns:p="http://schemas.openxmlformats.org/presentationml/2006/main">
+  <p:cSld>
+    <p:spTree>
+      <p:nvGrpSpPr>
+        <p:cNvPr id="1" name=""/>
+        <p:cNvGrpSpPr/>
+        <p:nvPr/>
+      </p:nvGrpSpPr>
+      <p:grpSpPr>
+        <a:xfrm>
+          <a:off x="0" y="0"/>
+          <a:ext cx="0" cy="0"/>
+          <a:chOff x="0" y="0"/>
+          <a:chExt cx="0" cy="0"/>
+        </a:xfrm>
+      </p:grpSpPr>
+      <p:pic>
+        <p:nvPicPr>
+          <p:cNvPr id="4" name="Image 3">
+            <a:extLst>
+              <a:ext uri="{FF2B5EF4-FFF2-40B4-BE49-F238E27FC236}">
+                <a16:creationId xmlns:a16="http://schemas.microsoft.com/office/drawing/2014/main" id="{5918D050-5474-48A5-8365-CC3D818F53A7}"/>
+              </a:ext>
+            </a:extLst>
+          </p:cNvPr>
+          <p:cNvPicPr>
+            <a:picLocks noChangeAspect="1"/>
+          </p:cNvPicPr>
+          <p:nvPr/>
+        </p:nvPicPr>
+        <p:blipFill>
+          <a:blip r:embed="rId2"/>
+          <a:stretch>
+            <a:fillRect/>
+          </a:stretch>
+        </p:blipFill>
+        <p:spPr>
+          <a:xfrm>
+            <a:off x="1293763" y="1124124"/>
+            <a:ext cx="10433434" cy="4184839"/>
+          </a:xfrm>
+          <a:prstGeom prst="rect">
+            <a:avLst/>
+          </a:prstGeom>
+        </p:spPr>
+      </p:pic>
+    </p:spTree>
+    <p:extLst>
+      <p:ext uri="{BB962C8B-B14F-4D97-AF65-F5344CB8AC3E}">
+        <p14:creationId xmlns:p14="http://schemas.microsoft.com/office/powerpoint/2010/main" val="138178738"/>
+      </p:ext>
+    </p:extLst>
+  </p:cSld>
+  <p:clrMapOvr>
+    <a:masterClrMapping/>
+  </p:clrMapOvr>
+</p:sld>
+</file>
+
+<file path=ppt/slides/slide18.xml><?xml version="1.0" encoding="utf-8"?>
+<p:sld xmlns:a="http://schemas.openxmlformats.org/drawingml/2006/main" xmlns:r="http://schemas.openxmlformats.org/officeDocument/2006/relationships" xmlns:p="http://schemas.openxmlformats.org/presentationml/2006/main">
+  <p:cSld>
+    <p:spTree>
+      <p:nvGrpSpPr>
+        <p:cNvPr id="1" name=""/>
+        <p:cNvGrpSpPr/>
+        <p:nvPr/>
+      </p:nvGrpSpPr>
+      <p:grpSpPr>
+        <a:xfrm>
+          <a:off x="0" y="0"/>
+          <a:ext cx="0" cy="0"/>
+          <a:chOff x="0" y="0"/>
+          <a:chExt cx="0" cy="0"/>
+        </a:xfrm>
+      </p:grpSpPr>
+      <p:sp>
+        <p:nvSpPr>
+          <p:cNvPr id="3" name="Espace réservé du contenu 2">
+            <a:extLst>
+              <a:ext uri="{FF2B5EF4-FFF2-40B4-BE49-F238E27FC236}">
+                <a16:creationId xmlns:a16="http://schemas.microsoft.com/office/drawing/2014/main" id="{DF7F8D2C-C4A0-4B1A-8D59-598A73492586}"/>
+              </a:ext>
+            </a:extLst>
+          </p:cNvPr>
+          <p:cNvSpPr>
+            <a:spLocks noGrp="1"/>
+          </p:cNvSpPr>
+          <p:nvPr>
+            <p:ph idx="1"/>
+          </p:nvPr>
+        </p:nvSpPr>
+        <p:spPr>
+          <a:xfrm>
+            <a:off x="1708368" y="2326546"/>
+            <a:ext cx="8915400" cy="3777622"/>
+          </a:xfrm>
+        </p:spPr>
+        <p:txBody>
+          <a:bodyPr/>
+          <a:lstStyle/>
+          <a:p>
+            <a:r>
+              <a:rPr lang="fr-FR" dirty="0" err="1"/>
+              <a:t>We</a:t>
+            </a:r>
+            <a:r>
+              <a:rPr lang="fr-FR" dirty="0"/>
+              <a:t> can </a:t>
+            </a:r>
+            <a:r>
+              <a:rPr lang="fr-FR" dirty="0" err="1"/>
+              <a:t>that</a:t>
+            </a:r>
+            <a:r>
+              <a:rPr lang="fr-FR" dirty="0"/>
+              <a:t> the K-</a:t>
+            </a:r>
+            <a:r>
+              <a:rPr lang="fr-FR" dirty="0" err="1"/>
+              <a:t>means</a:t>
+            </a:r>
+            <a:r>
+              <a:rPr lang="fr-FR" dirty="0"/>
+              <a:t> </a:t>
+            </a:r>
+            <a:r>
+              <a:rPr lang="fr-FR" dirty="0" err="1"/>
+              <a:t>algorithms</a:t>
+            </a:r>
+            <a:r>
+              <a:rPr lang="fr-FR" dirty="0"/>
+              <a:t> has </a:t>
+            </a:r>
+            <a:r>
+              <a:rPr lang="fr-FR" dirty="0" err="1"/>
+              <a:t>successfully</a:t>
+            </a:r>
+            <a:r>
+              <a:rPr lang="fr-FR" dirty="0"/>
+              <a:t> </a:t>
+            </a:r>
+            <a:r>
+              <a:rPr lang="fr-FR" dirty="0" err="1"/>
+              <a:t>classified</a:t>
+            </a:r>
+            <a:r>
+              <a:rPr lang="fr-FR" dirty="0"/>
+              <a:t> coffee shops</a:t>
+            </a:r>
+          </a:p>
+          <a:p>
+            <a:pPr marL="0" indent="0">
+              <a:buNone/>
+            </a:pPr>
+            <a:r>
+              <a:rPr lang="fr-FR" dirty="0" err="1"/>
+              <a:t>Based</a:t>
+            </a:r>
+            <a:r>
+              <a:rPr lang="fr-FR" dirty="0"/>
+              <a:t> on </a:t>
+            </a:r>
+            <a:r>
+              <a:rPr lang="fr-FR" dirty="0" err="1"/>
+              <a:t>their</a:t>
+            </a:r>
+            <a:r>
+              <a:rPr lang="fr-FR" dirty="0"/>
+              <a:t> rating and likes. So the one </a:t>
+            </a:r>
+            <a:r>
+              <a:rPr lang="fr-FR" dirty="0" err="1"/>
+              <a:t>who</a:t>
+            </a:r>
+            <a:r>
+              <a:rPr lang="fr-FR" dirty="0"/>
+              <a:t> </a:t>
+            </a:r>
+            <a:r>
+              <a:rPr lang="fr-FR" dirty="0" err="1"/>
+              <a:t>wants</a:t>
+            </a:r>
+            <a:r>
+              <a:rPr lang="fr-FR" dirty="0"/>
+              <a:t> to start the business of a coffee shop </a:t>
+            </a:r>
+            <a:r>
+              <a:rPr lang="fr-FR" dirty="0" err="1"/>
+              <a:t>should</a:t>
+            </a:r>
+            <a:r>
+              <a:rPr lang="fr-FR" dirty="0"/>
+              <a:t> </a:t>
+            </a:r>
+            <a:r>
+              <a:rPr lang="fr-FR" dirty="0" err="1"/>
+              <a:t>target</a:t>
+            </a:r>
+            <a:r>
+              <a:rPr lang="fr-FR" dirty="0"/>
+              <a:t> the </a:t>
+            </a:r>
+            <a:r>
+              <a:rPr lang="fr-FR" dirty="0" err="1"/>
+              <a:t>neighbors</a:t>
+            </a:r>
+            <a:r>
+              <a:rPr lang="fr-FR" dirty="0"/>
+              <a:t> </a:t>
+            </a:r>
+            <a:r>
+              <a:rPr lang="fr-FR" dirty="0" err="1"/>
+              <a:t>shown</a:t>
+            </a:r>
+            <a:r>
+              <a:rPr lang="fr-FR" dirty="0"/>
+              <a:t> on the </a:t>
+            </a:r>
+            <a:r>
+              <a:rPr lang="fr-FR" dirty="0" err="1"/>
+              <a:t>map</a:t>
+            </a:r>
+            <a:r>
+              <a:rPr lang="fr-FR" dirty="0"/>
+              <a:t> </a:t>
+            </a:r>
+            <a:r>
+              <a:rPr lang="fr-FR" dirty="0" err="1"/>
+              <a:t>with</a:t>
+            </a:r>
+            <a:r>
+              <a:rPr lang="fr-FR" dirty="0"/>
+              <a:t> coffee shop of </a:t>
+            </a:r>
+            <a:r>
+              <a:rPr lang="fr-FR" dirty="0" err="1"/>
+              <a:t>low</a:t>
+            </a:r>
+            <a:r>
+              <a:rPr lang="fr-FR" dirty="0"/>
+              <a:t> rating.</a:t>
+            </a:r>
+            <a:endParaRPr lang="en-GB" dirty="0"/>
+          </a:p>
+        </p:txBody>
+      </p:sp>
+    </p:spTree>
+    <p:extLst>
+      <p:ext uri="{BB962C8B-B14F-4D97-AF65-F5344CB8AC3E}">
+        <p14:creationId xmlns:p14="http://schemas.microsoft.com/office/powerpoint/2010/main" val="3628986455"/>
+      </p:ext>
+    </p:extLst>
+  </p:cSld>
+  <p:clrMapOvr>
+    <a:masterClrMapping/>
+  </p:clrMapOvr>
+</p:sld>
+</file>
+
 <file path=ppt/slides/slide2.xml><?xml version="1.0" encoding="utf-8"?>
 <p:sld xmlns:a="http://schemas.openxmlformats.org/drawingml/2006/main" xmlns:r="http://schemas.openxmlformats.org/officeDocument/2006/relationships" xmlns:p="http://schemas.openxmlformats.org/presentationml/2006/main">
   <p:cSld>
@@ -8724,7 +9197,7 @@
             </a:pPr>
             <a:r>
               <a:rPr lang="en-GB" sz="3200" dirty="0"/>
-              <a:t>For example to open a restaurant, certain condition should be met like cheap rent, enough density population . However, there are other factors like competition. People preference, etc.</a:t>
+              <a:t>For example to open a Coffee Shop, certain condition should be met like cheap rent, enough density population . However, there are other factors like competition. People preference, etc.</a:t>
             </a:r>
           </a:p>
           <a:p>
